--- a/2024-inrae-model-data-researcher-school/intro-to-machine-learning-models-tonda.pptx
+++ b/2024-inrae-model-data-researcher-school/intro-to-machine-learning-models-tonda.pptx
@@ -262,7 +262,7 @@
           <a:p>
             <a:fld id="{E7CBD113-3878-492F-B1DF-67FDABFD1959}" type="datetimeFigureOut">
               <a:rPr lang="en-US" smtClean="0"/>
-              <a:t>3/13/2024</a:t>
+              <a:t>3/27/2024</a:t>
             </a:fld>
             <a:endParaRPr lang="en-US"/>
           </a:p>
@@ -3038,7 +3038,7 @@
         </p:nvGrpSpPr>
         <p:grpSpPr>
           <a:xfrm>
-            <a:off x="2552700" y="4536355"/>
+            <a:off x="2552700" y="4404377"/>
             <a:ext cx="7086600" cy="1752600"/>
             <a:chOff x="762000" y="3429000"/>
             <a:chExt cx="7086600" cy="1752600"/>

--- a/2024-inrae-model-data-researcher-school/intro-to-machine-learning-models-tonda.pptx
+++ b/2024-inrae-model-data-researcher-school/intro-to-machine-learning-models-tonda.pptx
@@ -262,7 +262,7 @@
           <a:p>
             <a:fld id="{E7CBD113-3878-492F-B1DF-67FDABFD1959}" type="datetimeFigureOut">
               <a:rPr lang="en-US" smtClean="0"/>
-              <a:t>3/27/2024</a:t>
+              <a:t>2/10/2025</a:t>
             </a:fld>
             <a:endParaRPr lang="en-US"/>
           </a:p>
@@ -10116,7 +10116,7 @@
             <a:pPr lvl="1"/>
             <a:r>
               <a:rPr lang="en-US" dirty="0"/>
-              <a:t>If you haven’t try re-running the last cell</a:t>
+              <a:t>If you haven’t, try re-running the last cell</a:t>
             </a:r>
           </a:p>
           <a:p>
@@ -16540,7 +16540,7 @@
           <a:p>
             <a:r>
               <a:rPr lang="en-US" dirty="0"/>
-              <a:t>Tabular data vs Structured data</a:t>
+              <a:t>Tabular data vs Relational data</a:t>
             </a:r>
           </a:p>
         </p:txBody>
@@ -16580,7 +16580,7 @@
             </a:r>
             <a:r>
               <a:rPr lang="en-US" b="1" dirty="0"/>
-              <a:t>structured</a:t>
+              <a:t>relational</a:t>
             </a:r>
             <a:r>
               <a:rPr lang="en-US" dirty="0"/>
@@ -16634,7 +16634,7 @@
           <a:p>
             <a:r>
               <a:rPr lang="en-US" dirty="0"/>
-              <a:t>Structured data</a:t>
+              <a:t>Relational data</a:t>
             </a:r>
           </a:p>
           <a:p>

--- a/2024-inrae-model-data-researcher-school/intro-to-machine-learning-models-tonda.pptx
+++ b/2024-inrae-model-data-researcher-school/intro-to-machine-learning-models-tonda.pptx
@@ -2662,8 +2662,8 @@
           <a:lstStyle/>
           <a:p>
             <a:r>
-              <a:rPr lang="it-IT" sz="9600" dirty="0"/>
-              <a:t>Classification and AI models</a:t>
+              <a:rPr lang="it-IT" sz="9600"/>
+              <a:t>Machine learning</a:t>
             </a:r>
             <a:endParaRPr lang="fr-FR" sz="9600" dirty="0"/>
           </a:p>
